--- a/deep-learning-in-practice-with-pytorch/4-embeddings.pptx
+++ b/deep-learning-in-practice-with-pytorch/4-embeddings.pptx
@@ -5,7 +5,7 @@
     <p:sldMasterId id="2147483648" r:id="rId1"/>
   </p:sldMasterIdLst>
   <p:notesMasterIdLst>
-    <p:notesMasterId r:id="rId9"/>
+    <p:notesMasterId r:id="rId10"/>
   </p:notesMasterIdLst>
   <p:sldIdLst>
     <p:sldId id="257" r:id="rId2"/>
@@ -13,8 +13,9 @@
     <p:sldId id="259" r:id="rId4"/>
     <p:sldId id="260" r:id="rId5"/>
     <p:sldId id="261" r:id="rId6"/>
-    <p:sldId id="406" r:id="rId7"/>
-    <p:sldId id="405" r:id="rId8"/>
+    <p:sldId id="407" r:id="rId7"/>
+    <p:sldId id="406" r:id="rId8"/>
+    <p:sldId id="405" r:id="rId9"/>
   </p:sldIdLst>
   <p:sldSz cx="12192000" cy="6858000"/>
   <p:notesSz cx="6858000" cy="9144000"/>
@@ -2924,13 +2925,8 @@
             <a:pPr lvl="1"/>
             <a:r>
               <a:rPr lang="en-US" dirty="0"/>
-              <a:t>Use learned weights as </a:t>
-            </a:r>
-            <a:r>
-              <a:rPr lang="en-US"/>
-              <a:t>word embedding</a:t>
-            </a:r>
-            <a:endParaRPr lang="en-US" dirty="0"/>
+              <a:t>Use learned weights as word embedding</a:t>
+            </a:r>
           </a:p>
         </p:txBody>
       </p:sp>
@@ -2969,6 +2965,89 @@
           <p:cNvPr id="2" name="Titre 1">
             <a:extLst>
               <a:ext uri="{FF2B5EF4-FFF2-40B4-BE49-F238E27FC236}">
+                <a16:creationId xmlns:a16="http://schemas.microsoft.com/office/drawing/2014/main" id="{75822112-0C5C-4FF6-8171-630E177C136E}"/>
+              </a:ext>
+            </a:extLst>
+          </p:cNvPr>
+          <p:cNvSpPr>
+            <a:spLocks noGrp="1"/>
+          </p:cNvSpPr>
+          <p:nvPr>
+            <p:ph type="title"/>
+          </p:nvPr>
+        </p:nvSpPr>
+        <p:spPr/>
+        <p:txBody>
+          <a:bodyPr/>
+          <a:lstStyle/>
+          <a:p>
+            <a:r>
+              <a:rPr lang="en-US" dirty="0"/>
+              <a:t>An example of embedding: Word2Vec</a:t>
+            </a:r>
+          </a:p>
+        </p:txBody>
+      </p:sp>
+      <p:sp>
+        <p:nvSpPr>
+          <p:cNvPr id="3" name="Espace réservé du texte 2">
+            <a:extLst>
+              <a:ext uri="{FF2B5EF4-FFF2-40B4-BE49-F238E27FC236}">
+                <a16:creationId xmlns:a16="http://schemas.microsoft.com/office/drawing/2014/main" id="{2DE5DC84-25D4-4A16-940F-8570EF776ED4}"/>
+              </a:ext>
+            </a:extLst>
+          </p:cNvPr>
+          <p:cNvSpPr>
+            <a:spLocks noGrp="1"/>
+          </p:cNvSpPr>
+          <p:nvPr>
+            <p:ph type="body" sz="quarter" idx="10"/>
+          </p:nvPr>
+        </p:nvSpPr>
+        <p:spPr/>
+        <p:txBody>
+          <a:bodyPr/>
+          <a:lstStyle/>
+          <a:p>
+            <a:endParaRPr lang="en-US" dirty="0"/>
+          </a:p>
+        </p:txBody>
+      </p:sp>
+    </p:spTree>
+    <p:extLst>
+      <p:ext uri="{BB962C8B-B14F-4D97-AF65-F5344CB8AC3E}">
+        <p14:creationId xmlns:p14="http://schemas.microsoft.com/office/powerpoint/2010/main" val="289438458"/>
+      </p:ext>
+    </p:extLst>
+  </p:cSld>
+  <p:clrMapOvr>
+    <a:masterClrMapping/>
+  </p:clrMapOvr>
+</p:sld>
+</file>
+
+<file path=ppt/slides/slide7.xml><?xml version="1.0" encoding="utf-8"?>
+<p:sld xmlns:a="http://schemas.openxmlformats.org/drawingml/2006/main" xmlns:r="http://schemas.openxmlformats.org/officeDocument/2006/relationships" xmlns:p="http://schemas.openxmlformats.org/presentationml/2006/main">
+  <p:cSld>
+    <p:spTree>
+      <p:nvGrpSpPr>
+        <p:cNvPr id="1" name=""/>
+        <p:cNvGrpSpPr/>
+        <p:nvPr/>
+      </p:nvGrpSpPr>
+      <p:grpSpPr>
+        <a:xfrm>
+          <a:off x="0" y="0"/>
+          <a:ext cx="0" cy="0"/>
+          <a:chOff x="0" y="0"/>
+          <a:chExt cx="0" cy="0"/>
+        </a:xfrm>
+      </p:grpSpPr>
+      <p:sp>
+        <p:nvSpPr>
+          <p:cNvPr id="2" name="Titre 1">
+            <a:extLst>
+              <a:ext uri="{FF2B5EF4-FFF2-40B4-BE49-F238E27FC236}">
                 <a16:creationId xmlns:a16="http://schemas.microsoft.com/office/drawing/2014/main" id="{1F3C2347-5E63-457C-A6B0-3BAB4AFA43FB}"/>
               </a:ext>
             </a:extLst>
@@ -3034,7 +3113,7 @@
 </p:sld>
 </file>
 
-<file path=ppt/slides/slide7.xml><?xml version="1.0" encoding="utf-8"?>
+<file path=ppt/slides/slide8.xml><?xml version="1.0" encoding="utf-8"?>
 <p:sld xmlns:a="http://schemas.openxmlformats.org/drawingml/2006/main" xmlns:r="http://schemas.openxmlformats.org/officeDocument/2006/relationships" xmlns:p="http://schemas.openxmlformats.org/presentationml/2006/main">
   <p:cSld>
     <p:spTree>
